--- a/Time Management Software.pptx
+++ b/Time Management Software.pptx
@@ -207,7 +207,7 @@
           <a:p>
             <a:fld id="{87650E45-4150-774C-926C-C38E8D3D53A2}" type="datetimeFigureOut">
               <a:rPr lang="en-US" smtClean="0"/>
-              <a:t>5/26/2025</a:t>
+              <a:t>6/9/2025</a:t>
             </a:fld>
             <a:endParaRPr lang="en-US" dirty="0"/>
           </a:p>
@@ -5918,7 +5918,7 @@
             <a:fld id="{EE518CBA-D8B4-47B2-892B-826C26D1B466}" type="datetimeFigureOut">
               <a:rPr lang="en-US" smtClean="0"/>
               <a:pPr/>
-              <a:t>5/26/2025</a:t>
+              <a:t>6/9/2025</a:t>
             </a:fld>
             <a:endParaRPr lang="en-US" dirty="0"/>
           </a:p>
@@ -8223,38 +8223,6 @@
       </p:sp>
       <p:sp>
         <p:nvSpPr>
-          <p:cNvPr id="4" name="Content Placeholder 3">
-            <a:extLst>
-              <a:ext uri="{FF2B5EF4-FFF2-40B4-BE49-F238E27FC236}">
-                <a16:creationId xmlns:a16="http://schemas.microsoft.com/office/drawing/2014/main" id="{C8DF3FFD-8279-A9DE-3C88-41A3F288004D}"/>
-              </a:ext>
-            </a:extLst>
-          </p:cNvPr>
-          <p:cNvSpPr>
-            <a:spLocks noGrp="1"/>
-          </p:cNvSpPr>
-          <p:nvPr>
-            <p:ph sz="quarter" idx="13"/>
-          </p:nvPr>
-        </p:nvSpPr>
-        <p:spPr>
-          <a:xfrm>
-            <a:off x="1088136" y="859536"/>
-            <a:ext cx="5166360" cy="1499616"/>
-          </a:xfrm>
-        </p:spPr>
-        <p:txBody>
-          <a:bodyPr>
-            <a:normAutofit/>
-          </a:bodyPr>
-          <a:lstStyle/>
-          <a:p>
-            <a:endParaRPr lang="en-US" dirty="0"/>
-          </a:p>
-        </p:txBody>
-      </p:sp>
-      <p:sp>
-        <p:nvSpPr>
           <p:cNvPr id="7" name="Content Placeholder 6">
             <a:extLst>
               <a:ext uri="{FF2B5EF4-FFF2-40B4-BE49-F238E27FC236}">
@@ -9091,36 +9059,6 @@
           </a:p>
         </p:txBody>
       </p:sp>
-      <p:sp>
-        <p:nvSpPr>
-          <p:cNvPr id="5" name="Content Placeholder 4">
-            <a:extLst>
-              <a:ext uri="{FF2B5EF4-FFF2-40B4-BE49-F238E27FC236}">
-                <a16:creationId xmlns:a16="http://schemas.microsoft.com/office/drawing/2014/main" id="{CBC55C2D-31D8-4879-8390-859EC7D06214}"/>
-              </a:ext>
-            </a:extLst>
-          </p:cNvPr>
-          <p:cNvSpPr>
-            <a:spLocks noGrp="1"/>
-          </p:cNvSpPr>
-          <p:nvPr>
-            <p:ph sz="quarter" idx="14"/>
-          </p:nvPr>
-        </p:nvSpPr>
-        <p:spPr>
-          <a:xfrm>
-            <a:off x="9347200" y="3429000"/>
-            <a:ext cx="2329688" cy="2788920"/>
-          </a:xfrm>
-        </p:spPr>
-        <p:txBody>
-          <a:bodyPr/>
-          <a:lstStyle/>
-          <a:p>
-            <a:endParaRPr lang="el-GR" dirty="0"/>
-          </a:p>
-        </p:txBody>
-      </p:sp>
     </p:spTree>
     <p:extLst>
       <p:ext uri="{BB962C8B-B14F-4D97-AF65-F5344CB8AC3E}">
@@ -9283,31 +9221,6 @@
           </a:p>
           <a:p>
             <a:endParaRPr lang="en-US" sz="1800" dirty="0"/>
-          </a:p>
-        </p:txBody>
-      </p:sp>
-      <p:sp>
-        <p:nvSpPr>
-          <p:cNvPr id="6" name="Content Placeholder 5">
-            <a:extLst>
-              <a:ext uri="{FF2B5EF4-FFF2-40B4-BE49-F238E27FC236}">
-                <a16:creationId xmlns:a16="http://schemas.microsoft.com/office/drawing/2014/main" id="{37D89027-2CF9-4425-84D4-A877CFFB5150}"/>
-              </a:ext>
-            </a:extLst>
-          </p:cNvPr>
-          <p:cNvSpPr>
-            <a:spLocks noGrp="1"/>
-          </p:cNvSpPr>
-          <p:nvPr>
-            <p:ph sz="quarter" idx="14"/>
-          </p:nvPr>
-        </p:nvSpPr>
-        <p:spPr/>
-        <p:txBody>
-          <a:bodyPr/>
-          <a:lstStyle/>
-          <a:p>
-            <a:endParaRPr lang="el-GR"/>
           </a:p>
         </p:txBody>
       </p:sp>
@@ -9850,6 +9763,26 @@
 </file>
 
 <file path=customXml/item2.xml><?xml version="1.0" encoding="utf-8"?>
+<p:properties xmlns:p="http://schemas.microsoft.com/office/2006/metadata/properties" xmlns:xsi="http://www.w3.org/2001/XMLSchema-instance" xmlns:pc="http://schemas.microsoft.com/office/infopath/2007/PartnerControls">
+  <documentManagement>
+    <MediaServiceKeyPoints xmlns="71af3243-3dd4-4a8d-8c0d-dd76da1f02a5" xsi:nil="true"/>
+    <Background xmlns="71af3243-3dd4-4a8d-8c0d-dd76da1f02a5">false</Background>
+    <Status xmlns="71af3243-3dd4-4a8d-8c0d-dd76da1f02a5">Not started</Status>
+    <TaxCatchAll xmlns="230e9df3-be65-4c73-a93b-d1236ebd677e" xsi:nil="true"/>
+    <ImageTagsTaxHTField xmlns="71af3243-3dd4-4a8d-8c0d-dd76da1f02a5">
+      <Terms xmlns="http://schemas.microsoft.com/office/infopath/2007/PartnerControls"/>
+    </ImageTagsTaxHTField>
+    <Image xmlns="71af3243-3dd4-4a8d-8c0d-dd76da1f02a5">
+      <Url xsi:nil="true"/>
+      <Description xsi:nil="true"/>
+    </Image>
+    <_ip_UnifiedCompliancePolicyUIAction xmlns="http://schemas.microsoft.com/sharepoint/v3" xsi:nil="true"/>
+    <_ip_UnifiedCompliancePolicyProperties xmlns="http://schemas.microsoft.com/sharepoint/v3" xsi:nil="true"/>
+  </documentManagement>
+</p:properties>
+</file>
+
+<file path=customXml/item3.xml><?xml version="1.0" encoding="utf-8"?>
 <ct:contentTypeSchema xmlns:ct="http://schemas.microsoft.com/office/2006/metadata/contentType" xmlns:ma="http://schemas.microsoft.com/office/2006/metadata/properties/metaAttributes" ct:_="" ma:_="" ma:contentTypeName="Document" ma:contentTypeID="0x01010079F111ED35F8CC479449609E8A0923A6" ma:contentTypeVersion="28" ma:contentTypeDescription="Create a new document." ma:contentTypeScope="" ma:versionID="60f5a4f2d2b0abadcf532d48ebf9cb71">
   <xsd:schema xmlns:xsd="http://www.w3.org/2001/XMLSchema" xmlns:xs="http://www.w3.org/2001/XMLSchema" xmlns:p="http://schemas.microsoft.com/office/2006/metadata/properties" xmlns:ns1="http://schemas.microsoft.com/sharepoint/v3" xmlns:ns2="71af3243-3dd4-4a8d-8c0d-dd76da1f02a5" xmlns:ns3="16c05727-aa75-4e4a-9b5f-8a80a1165891" xmlns:ns4="230e9df3-be65-4c73-a93b-d1236ebd677e" targetNamespace="http://schemas.microsoft.com/office/2006/metadata/properties" ma:root="true" ma:fieldsID="7dd78129e6a1811f84807ad11c651531" ns1:_="" ns2:_="" ns3:_="" ns4:_="">
     <xsd:import namespace="http://schemas.microsoft.com/sharepoint/v3"/>
@@ -10161,26 +10094,6 @@
 </ct:contentTypeSchema>
 </file>
 
-<file path=customXml/item3.xml><?xml version="1.0" encoding="utf-8"?>
-<p:properties xmlns:p="http://schemas.microsoft.com/office/2006/metadata/properties" xmlns:xsi="http://www.w3.org/2001/XMLSchema-instance" xmlns:pc="http://schemas.microsoft.com/office/infopath/2007/PartnerControls">
-  <documentManagement>
-    <MediaServiceKeyPoints xmlns="71af3243-3dd4-4a8d-8c0d-dd76da1f02a5" xsi:nil="true"/>
-    <Background xmlns="71af3243-3dd4-4a8d-8c0d-dd76da1f02a5">false</Background>
-    <Status xmlns="71af3243-3dd4-4a8d-8c0d-dd76da1f02a5">Not started</Status>
-    <TaxCatchAll xmlns="230e9df3-be65-4c73-a93b-d1236ebd677e" xsi:nil="true"/>
-    <ImageTagsTaxHTField xmlns="71af3243-3dd4-4a8d-8c0d-dd76da1f02a5">
-      <Terms xmlns="http://schemas.microsoft.com/office/infopath/2007/PartnerControls"/>
-    </ImageTagsTaxHTField>
-    <Image xmlns="71af3243-3dd4-4a8d-8c0d-dd76da1f02a5">
-      <Url xsi:nil="true"/>
-      <Description xsi:nil="true"/>
-    </Image>
-    <_ip_UnifiedCompliancePolicyUIAction xmlns="http://schemas.microsoft.com/sharepoint/v3" xsi:nil="true"/>
-    <_ip_UnifiedCompliancePolicyProperties xmlns="http://schemas.microsoft.com/sharepoint/v3" xsi:nil="true"/>
-  </documentManagement>
-</p:properties>
-</file>
-
 <file path=customXml/itemProps1.xml><?xml version="1.0" encoding="utf-8"?>
 <ds:datastoreItem xmlns:ds="http://schemas.openxmlformats.org/officeDocument/2006/customXml" ds:itemID="{5E4B3662-E706-427A-8C63-55F1C5B1CAE0}">
   <ds:schemaRefs>
@@ -10190,6 +10103,18 @@
 </file>
 
 <file path=customXml/itemProps2.xml><?xml version="1.0" encoding="utf-8"?>
+<ds:datastoreItem xmlns:ds="http://schemas.openxmlformats.org/officeDocument/2006/customXml" ds:itemID="{BE526E5B-BE06-44ED-944C-46B3BE1A406A}">
+  <ds:schemaRefs>
+    <ds:schemaRef ds:uri="http://schemas.microsoft.com/office/2006/metadata/properties"/>
+    <ds:schemaRef ds:uri="http://schemas.microsoft.com/office/infopath/2007/PartnerControls"/>
+    <ds:schemaRef ds:uri="71af3243-3dd4-4a8d-8c0d-dd76da1f02a5"/>
+    <ds:schemaRef ds:uri="230e9df3-be65-4c73-a93b-d1236ebd677e"/>
+    <ds:schemaRef ds:uri="http://schemas.microsoft.com/sharepoint/v3"/>
+  </ds:schemaRefs>
+</ds:datastoreItem>
+</file>
+
+<file path=customXml/itemProps3.xml><?xml version="1.0" encoding="utf-8"?>
 <ds:datastoreItem xmlns:ds="http://schemas.openxmlformats.org/officeDocument/2006/customXml" ds:itemID="{2DD5551C-388C-42EB-B1BB-B0BF4434BACB}">
   <ds:schemaRefs>
     <ds:schemaRef ds:uri="http://schemas.microsoft.com/office/2006/metadata/contentType"/>
@@ -10210,18 +10135,6 @@
 </ds:datastoreItem>
 </file>
 
-<file path=customXml/itemProps3.xml><?xml version="1.0" encoding="utf-8"?>
-<ds:datastoreItem xmlns:ds="http://schemas.openxmlformats.org/officeDocument/2006/customXml" ds:itemID="{BE526E5B-BE06-44ED-944C-46B3BE1A406A}">
-  <ds:schemaRefs>
-    <ds:schemaRef ds:uri="http://schemas.microsoft.com/office/2006/metadata/properties"/>
-    <ds:schemaRef ds:uri="http://schemas.microsoft.com/office/infopath/2007/PartnerControls"/>
-    <ds:schemaRef ds:uri="71af3243-3dd4-4a8d-8c0d-dd76da1f02a5"/>
-    <ds:schemaRef ds:uri="230e9df3-be65-4c73-a93b-d1236ebd677e"/>
-    <ds:schemaRef ds:uri="http://schemas.microsoft.com/sharepoint/v3"/>
-  </ds:schemaRefs>
-</ds:datastoreItem>
-</file>
-
 <file path=docMetadata/LabelInfo.xml><?xml version="1.0" encoding="utf-8"?>
 <clbl:labelList xmlns:clbl="http://schemas.microsoft.com/office/2020/mipLabelMetadata"/>
 </file>